--- a/ppt 16-9/1323.求主保佑我.pptx
+++ b/ppt 16-9/1323.求主保佑我.pptx
@@ -5,7 +5,7 @@
     <p:sldMasterId id="2147483648" r:id="rId1"/>
   </p:sldMasterIdLst>
   <p:sldIdLst>
-    <p:sldId id="876" r:id="rId2"/>
+    <p:sldId id="877" r:id="rId2"/>
   </p:sldIdLst>
   <p:sldSz cx="12192000" cy="6858000"/>
   <p:notesSz cx="6858000" cy="9144000"/>
@@ -129,7 +129,7 @@
           <p:cNvPr id="2" name="标题 1">
             <a:extLst>
               <a:ext uri="{FF2B5EF4-FFF2-40B4-BE49-F238E27FC236}">
-                <a16:creationId xmlns:a16="http://schemas.microsoft.com/office/drawing/2014/main" id="{20479565-9F72-B08A-0200-F59DEE3C0F24}"/>
+                <a16:creationId xmlns:a16="http://schemas.microsoft.com/office/drawing/2014/main" id="{5B408E82-3B1D-A182-61DF-DF6A901281FC}"/>
               </a:ext>
             </a:extLst>
           </p:cNvPr>
@@ -166,7 +166,7 @@
           <p:cNvPr id="3" name="副标题 2">
             <a:extLst>
               <a:ext uri="{FF2B5EF4-FFF2-40B4-BE49-F238E27FC236}">
-                <a16:creationId xmlns:a16="http://schemas.microsoft.com/office/drawing/2014/main" id="{4DE96FF6-EE92-EC84-0502-CFCA8A7CD94B}"/>
+                <a16:creationId xmlns:a16="http://schemas.microsoft.com/office/drawing/2014/main" id="{37195EEE-D174-8BDB-599B-BDF14D3721F8}"/>
               </a:ext>
             </a:extLst>
           </p:cNvPr>
@@ -236,7 +236,7 @@
           <p:cNvPr id="4" name="日期占位符 3">
             <a:extLst>
               <a:ext uri="{FF2B5EF4-FFF2-40B4-BE49-F238E27FC236}">
-                <a16:creationId xmlns:a16="http://schemas.microsoft.com/office/drawing/2014/main" id="{84188E36-473D-5BD0-069E-FA87B7F15DFE}"/>
+                <a16:creationId xmlns:a16="http://schemas.microsoft.com/office/drawing/2014/main" id="{A9D2B486-832F-99B5-64B1-EFB5EADB31E3}"/>
               </a:ext>
             </a:extLst>
           </p:cNvPr>
@@ -252,7 +252,7 @@
           <a:bodyPr/>
           <a:lstStyle/>
           <a:p>
-            <a:fld id="{E9B1FFF9-A802-4372-B3B2-FEAB7AF5D637}" type="datetimeFigureOut">
+            <a:fld id="{48B5B8E6-4C5C-41C1-A11C-A64ABFA57623}" type="datetimeFigureOut">
               <a:rPr lang="zh-CN" altLang="en-US" smtClean="0"/>
               <a:t>2024/3/10</a:t>
             </a:fld>
@@ -265,7 +265,7 @@
           <p:cNvPr id="5" name="页脚占位符 4">
             <a:extLst>
               <a:ext uri="{FF2B5EF4-FFF2-40B4-BE49-F238E27FC236}">
-                <a16:creationId xmlns:a16="http://schemas.microsoft.com/office/drawing/2014/main" id="{375C3682-9768-6071-5F39-446525FB43BB}"/>
+                <a16:creationId xmlns:a16="http://schemas.microsoft.com/office/drawing/2014/main" id="{E33BAEA4-8371-23EF-FC3C-46EB7E4FE19E}"/>
               </a:ext>
             </a:extLst>
           </p:cNvPr>
@@ -290,7 +290,7 @@
           <p:cNvPr id="6" name="灯片编号占位符 5">
             <a:extLst>
               <a:ext uri="{FF2B5EF4-FFF2-40B4-BE49-F238E27FC236}">
-                <a16:creationId xmlns:a16="http://schemas.microsoft.com/office/drawing/2014/main" id="{E34772E4-9346-93E0-0542-1A5861BC9309}"/>
+                <a16:creationId xmlns:a16="http://schemas.microsoft.com/office/drawing/2014/main" id="{3635622C-739E-4439-5349-E1ED155034A5}"/>
               </a:ext>
             </a:extLst>
           </p:cNvPr>
@@ -306,7 +306,7 @@
           <a:bodyPr/>
           <a:lstStyle/>
           <a:p>
-            <a:fld id="{0F1FDADC-7334-4EC8-9B8B-44FE883DB9A9}" type="slidenum">
+            <a:fld id="{409E90CF-68F7-493D-9F7C-A4C4A7BAFD48}" type="slidenum">
               <a:rPr lang="zh-CN" altLang="en-US" smtClean="0"/>
               <a:t>‹#›</a:t>
             </a:fld>
@@ -317,7 +317,7 @@
     </p:spTree>
     <p:extLst>
       <p:ext uri="{BB962C8B-B14F-4D97-AF65-F5344CB8AC3E}">
-        <p14:creationId xmlns:p14="http://schemas.microsoft.com/office/powerpoint/2010/main" val="1479178966"/>
+        <p14:creationId xmlns:p14="http://schemas.microsoft.com/office/powerpoint/2010/main" val="3760407310"/>
       </p:ext>
     </p:extLst>
   </p:cSld>
@@ -349,7 +349,7 @@
           <p:cNvPr id="2" name="标题 1">
             <a:extLst>
               <a:ext uri="{FF2B5EF4-FFF2-40B4-BE49-F238E27FC236}">
-                <a16:creationId xmlns:a16="http://schemas.microsoft.com/office/drawing/2014/main" id="{C5C6E204-C7D8-7FCC-E858-4AE5D91BF554}"/>
+                <a16:creationId xmlns:a16="http://schemas.microsoft.com/office/drawing/2014/main" id="{FEB64474-CAF5-8E6B-BFD5-A7950CABF6F6}"/>
               </a:ext>
             </a:extLst>
           </p:cNvPr>
@@ -377,7 +377,7 @@
           <p:cNvPr id="3" name="竖排文字占位符 2">
             <a:extLst>
               <a:ext uri="{FF2B5EF4-FFF2-40B4-BE49-F238E27FC236}">
-                <a16:creationId xmlns:a16="http://schemas.microsoft.com/office/drawing/2014/main" id="{6F97BCC0-96E3-F38E-200C-56F8A45D5F99}"/>
+                <a16:creationId xmlns:a16="http://schemas.microsoft.com/office/drawing/2014/main" id="{70BAB713-E93C-71DA-FE09-762AC74B5620}"/>
               </a:ext>
             </a:extLst>
           </p:cNvPr>
@@ -434,7 +434,7 @@
           <p:cNvPr id="4" name="日期占位符 3">
             <a:extLst>
               <a:ext uri="{FF2B5EF4-FFF2-40B4-BE49-F238E27FC236}">
-                <a16:creationId xmlns:a16="http://schemas.microsoft.com/office/drawing/2014/main" id="{95B91924-08EF-AA92-8523-F7CB99848F9E}"/>
+                <a16:creationId xmlns:a16="http://schemas.microsoft.com/office/drawing/2014/main" id="{656DD1E3-215A-1DA6-B48F-2D546F1DBE60}"/>
               </a:ext>
             </a:extLst>
           </p:cNvPr>
@@ -450,7 +450,7 @@
           <a:bodyPr/>
           <a:lstStyle/>
           <a:p>
-            <a:fld id="{E9B1FFF9-A802-4372-B3B2-FEAB7AF5D637}" type="datetimeFigureOut">
+            <a:fld id="{48B5B8E6-4C5C-41C1-A11C-A64ABFA57623}" type="datetimeFigureOut">
               <a:rPr lang="zh-CN" altLang="en-US" smtClean="0"/>
               <a:t>2024/3/10</a:t>
             </a:fld>
@@ -463,7 +463,7 @@
           <p:cNvPr id="5" name="页脚占位符 4">
             <a:extLst>
               <a:ext uri="{FF2B5EF4-FFF2-40B4-BE49-F238E27FC236}">
-                <a16:creationId xmlns:a16="http://schemas.microsoft.com/office/drawing/2014/main" id="{249A4B07-1A2C-CD21-935E-2825C74A04CE}"/>
+                <a16:creationId xmlns:a16="http://schemas.microsoft.com/office/drawing/2014/main" id="{B3A0649A-96D0-E0F0-8EF5-3A6A88A6BA16}"/>
               </a:ext>
             </a:extLst>
           </p:cNvPr>
@@ -488,7 +488,7 @@
           <p:cNvPr id="6" name="灯片编号占位符 5">
             <a:extLst>
               <a:ext uri="{FF2B5EF4-FFF2-40B4-BE49-F238E27FC236}">
-                <a16:creationId xmlns:a16="http://schemas.microsoft.com/office/drawing/2014/main" id="{F989B038-C561-4DC0-3B39-5105E2A534B0}"/>
+                <a16:creationId xmlns:a16="http://schemas.microsoft.com/office/drawing/2014/main" id="{EE086FC2-0F12-16CD-31E7-47E3C97CCE9A}"/>
               </a:ext>
             </a:extLst>
           </p:cNvPr>
@@ -504,7 +504,7 @@
           <a:bodyPr/>
           <a:lstStyle/>
           <a:p>
-            <a:fld id="{0F1FDADC-7334-4EC8-9B8B-44FE883DB9A9}" type="slidenum">
+            <a:fld id="{409E90CF-68F7-493D-9F7C-A4C4A7BAFD48}" type="slidenum">
               <a:rPr lang="zh-CN" altLang="en-US" smtClean="0"/>
               <a:t>‹#›</a:t>
             </a:fld>
@@ -515,7 +515,7 @@
     </p:spTree>
     <p:extLst>
       <p:ext uri="{BB962C8B-B14F-4D97-AF65-F5344CB8AC3E}">
-        <p14:creationId xmlns:p14="http://schemas.microsoft.com/office/powerpoint/2010/main" val="953315817"/>
+        <p14:creationId xmlns:p14="http://schemas.microsoft.com/office/powerpoint/2010/main" val="2414093477"/>
       </p:ext>
     </p:extLst>
   </p:cSld>
@@ -547,7 +547,7 @@
           <p:cNvPr id="2" name="竖排标题 1">
             <a:extLst>
               <a:ext uri="{FF2B5EF4-FFF2-40B4-BE49-F238E27FC236}">
-                <a16:creationId xmlns:a16="http://schemas.microsoft.com/office/drawing/2014/main" id="{6DD36053-4951-9922-4A55-E4527E1F8972}"/>
+                <a16:creationId xmlns:a16="http://schemas.microsoft.com/office/drawing/2014/main" id="{28E06346-E879-ED33-8E4A-C9DCCF641298}"/>
               </a:ext>
             </a:extLst>
           </p:cNvPr>
@@ -580,7 +580,7 @@
           <p:cNvPr id="3" name="竖排文字占位符 2">
             <a:extLst>
               <a:ext uri="{FF2B5EF4-FFF2-40B4-BE49-F238E27FC236}">
-                <a16:creationId xmlns:a16="http://schemas.microsoft.com/office/drawing/2014/main" id="{896C7A1B-1412-06AA-0DA6-9D9AD82D909B}"/>
+                <a16:creationId xmlns:a16="http://schemas.microsoft.com/office/drawing/2014/main" id="{67820FD9-7CD6-E5A2-9F55-4C21D3D3A27B}"/>
               </a:ext>
             </a:extLst>
           </p:cNvPr>
@@ -642,7 +642,7 @@
           <p:cNvPr id="4" name="日期占位符 3">
             <a:extLst>
               <a:ext uri="{FF2B5EF4-FFF2-40B4-BE49-F238E27FC236}">
-                <a16:creationId xmlns:a16="http://schemas.microsoft.com/office/drawing/2014/main" id="{856E52BB-1E95-ED59-271E-050AAAC34EB9}"/>
+                <a16:creationId xmlns:a16="http://schemas.microsoft.com/office/drawing/2014/main" id="{F31D9D77-0A6B-4B1D-0699-E461ECE3C4A3}"/>
               </a:ext>
             </a:extLst>
           </p:cNvPr>
@@ -658,7 +658,7 @@
           <a:bodyPr/>
           <a:lstStyle/>
           <a:p>
-            <a:fld id="{E9B1FFF9-A802-4372-B3B2-FEAB7AF5D637}" type="datetimeFigureOut">
+            <a:fld id="{48B5B8E6-4C5C-41C1-A11C-A64ABFA57623}" type="datetimeFigureOut">
               <a:rPr lang="zh-CN" altLang="en-US" smtClean="0"/>
               <a:t>2024/3/10</a:t>
             </a:fld>
@@ -671,7 +671,7 @@
           <p:cNvPr id="5" name="页脚占位符 4">
             <a:extLst>
               <a:ext uri="{FF2B5EF4-FFF2-40B4-BE49-F238E27FC236}">
-                <a16:creationId xmlns:a16="http://schemas.microsoft.com/office/drawing/2014/main" id="{3CD71CFE-DD8A-ABDD-AE9B-71A16FCD735E}"/>
+                <a16:creationId xmlns:a16="http://schemas.microsoft.com/office/drawing/2014/main" id="{A7AC0246-8952-3538-54A6-F1266CECB93F}"/>
               </a:ext>
             </a:extLst>
           </p:cNvPr>
@@ -696,7 +696,7 @@
           <p:cNvPr id="6" name="灯片编号占位符 5">
             <a:extLst>
               <a:ext uri="{FF2B5EF4-FFF2-40B4-BE49-F238E27FC236}">
-                <a16:creationId xmlns:a16="http://schemas.microsoft.com/office/drawing/2014/main" id="{EAD36890-96A9-CC52-A641-B06415A8B61C}"/>
+                <a16:creationId xmlns:a16="http://schemas.microsoft.com/office/drawing/2014/main" id="{2A39BBDE-A308-079F-B28D-C458D489ED13}"/>
               </a:ext>
             </a:extLst>
           </p:cNvPr>
@@ -712,7 +712,7 @@
           <a:bodyPr/>
           <a:lstStyle/>
           <a:p>
-            <a:fld id="{0F1FDADC-7334-4EC8-9B8B-44FE883DB9A9}" type="slidenum">
+            <a:fld id="{409E90CF-68F7-493D-9F7C-A4C4A7BAFD48}" type="slidenum">
               <a:rPr lang="zh-CN" altLang="en-US" smtClean="0"/>
               <a:t>‹#›</a:t>
             </a:fld>
@@ -723,7 +723,7 @@
     </p:spTree>
     <p:extLst>
       <p:ext uri="{BB962C8B-B14F-4D97-AF65-F5344CB8AC3E}">
-        <p14:creationId xmlns:p14="http://schemas.microsoft.com/office/powerpoint/2010/main" val="1139690492"/>
+        <p14:creationId xmlns:p14="http://schemas.microsoft.com/office/powerpoint/2010/main" val="2272642020"/>
       </p:ext>
     </p:extLst>
   </p:cSld>
@@ -755,7 +755,7 @@
           <p:cNvPr id="2" name="标题 1">
             <a:extLst>
               <a:ext uri="{FF2B5EF4-FFF2-40B4-BE49-F238E27FC236}">
-                <a16:creationId xmlns:a16="http://schemas.microsoft.com/office/drawing/2014/main" id="{8D11ED2A-E6CA-03FB-1054-16565719D78A}"/>
+                <a16:creationId xmlns:a16="http://schemas.microsoft.com/office/drawing/2014/main" id="{3DD86A61-8F45-1AD0-9BF8-833D2E9A4DC3}"/>
               </a:ext>
             </a:extLst>
           </p:cNvPr>
@@ -783,7 +783,7 @@
           <p:cNvPr id="3" name="内容占位符 2">
             <a:extLst>
               <a:ext uri="{FF2B5EF4-FFF2-40B4-BE49-F238E27FC236}">
-                <a16:creationId xmlns:a16="http://schemas.microsoft.com/office/drawing/2014/main" id="{72D2FB68-8581-42FA-F1E3-EECA1DFDD03E}"/>
+                <a16:creationId xmlns:a16="http://schemas.microsoft.com/office/drawing/2014/main" id="{BF761451-BA12-7CC2-C550-4F0916814B10}"/>
               </a:ext>
             </a:extLst>
           </p:cNvPr>
@@ -840,7 +840,7 @@
           <p:cNvPr id="4" name="日期占位符 3">
             <a:extLst>
               <a:ext uri="{FF2B5EF4-FFF2-40B4-BE49-F238E27FC236}">
-                <a16:creationId xmlns:a16="http://schemas.microsoft.com/office/drawing/2014/main" id="{EFB2CCF5-ECD6-8F77-A61B-E43A4D4E00A6}"/>
+                <a16:creationId xmlns:a16="http://schemas.microsoft.com/office/drawing/2014/main" id="{14E19C35-827F-D3BA-7028-638EBF49E19C}"/>
               </a:ext>
             </a:extLst>
           </p:cNvPr>
@@ -856,7 +856,7 @@
           <a:bodyPr/>
           <a:lstStyle/>
           <a:p>
-            <a:fld id="{E9B1FFF9-A802-4372-B3B2-FEAB7AF5D637}" type="datetimeFigureOut">
+            <a:fld id="{48B5B8E6-4C5C-41C1-A11C-A64ABFA57623}" type="datetimeFigureOut">
               <a:rPr lang="zh-CN" altLang="en-US" smtClean="0"/>
               <a:t>2024/3/10</a:t>
             </a:fld>
@@ -869,7 +869,7 @@
           <p:cNvPr id="5" name="页脚占位符 4">
             <a:extLst>
               <a:ext uri="{FF2B5EF4-FFF2-40B4-BE49-F238E27FC236}">
-                <a16:creationId xmlns:a16="http://schemas.microsoft.com/office/drawing/2014/main" id="{D1E79D8D-58BC-D629-166B-169A6E410D06}"/>
+                <a16:creationId xmlns:a16="http://schemas.microsoft.com/office/drawing/2014/main" id="{4E682CCC-A651-B63B-DEE5-7974DFD287F7}"/>
               </a:ext>
             </a:extLst>
           </p:cNvPr>
@@ -894,7 +894,7 @@
           <p:cNvPr id="6" name="灯片编号占位符 5">
             <a:extLst>
               <a:ext uri="{FF2B5EF4-FFF2-40B4-BE49-F238E27FC236}">
-                <a16:creationId xmlns:a16="http://schemas.microsoft.com/office/drawing/2014/main" id="{D090D91B-83C5-2732-4004-29A9440AC37A}"/>
+                <a16:creationId xmlns:a16="http://schemas.microsoft.com/office/drawing/2014/main" id="{E661CF61-C0D8-28C0-1923-D8958A8A5C1E}"/>
               </a:ext>
             </a:extLst>
           </p:cNvPr>
@@ -910,7 +910,7 @@
           <a:bodyPr/>
           <a:lstStyle/>
           <a:p>
-            <a:fld id="{0F1FDADC-7334-4EC8-9B8B-44FE883DB9A9}" type="slidenum">
+            <a:fld id="{409E90CF-68F7-493D-9F7C-A4C4A7BAFD48}" type="slidenum">
               <a:rPr lang="zh-CN" altLang="en-US" smtClean="0"/>
               <a:t>‹#›</a:t>
             </a:fld>
@@ -921,7 +921,7 @@
     </p:spTree>
     <p:extLst>
       <p:ext uri="{BB962C8B-B14F-4D97-AF65-F5344CB8AC3E}">
-        <p14:creationId xmlns:p14="http://schemas.microsoft.com/office/powerpoint/2010/main" val="57957488"/>
+        <p14:creationId xmlns:p14="http://schemas.microsoft.com/office/powerpoint/2010/main" val="2127356101"/>
       </p:ext>
     </p:extLst>
   </p:cSld>
@@ -953,7 +953,7 @@
           <p:cNvPr id="2" name="标题 1">
             <a:extLst>
               <a:ext uri="{FF2B5EF4-FFF2-40B4-BE49-F238E27FC236}">
-                <a16:creationId xmlns:a16="http://schemas.microsoft.com/office/drawing/2014/main" id="{D4A781C5-9D15-40E5-A06C-69DD38AB8215}"/>
+                <a16:creationId xmlns:a16="http://schemas.microsoft.com/office/drawing/2014/main" id="{581C69B5-8858-A68E-7137-FCBBC1E133D6}"/>
               </a:ext>
             </a:extLst>
           </p:cNvPr>
@@ -990,7 +990,7 @@
           <p:cNvPr id="3" name="文本占位符 2">
             <a:extLst>
               <a:ext uri="{FF2B5EF4-FFF2-40B4-BE49-F238E27FC236}">
-                <a16:creationId xmlns:a16="http://schemas.microsoft.com/office/drawing/2014/main" id="{BAF42957-3C1C-3D1C-0DAD-7C7AB21C26E2}"/>
+                <a16:creationId xmlns:a16="http://schemas.microsoft.com/office/drawing/2014/main" id="{F2F4FC47-D4A2-DA35-D98C-11044DA262D1}"/>
               </a:ext>
             </a:extLst>
           </p:cNvPr>
@@ -1115,7 +1115,7 @@
           <p:cNvPr id="4" name="日期占位符 3">
             <a:extLst>
               <a:ext uri="{FF2B5EF4-FFF2-40B4-BE49-F238E27FC236}">
-                <a16:creationId xmlns:a16="http://schemas.microsoft.com/office/drawing/2014/main" id="{750C750D-143D-2B7D-2F0A-B6A9FAEDA163}"/>
+                <a16:creationId xmlns:a16="http://schemas.microsoft.com/office/drawing/2014/main" id="{95EDDD7E-0E9A-4326-652F-D94C04FA8E50}"/>
               </a:ext>
             </a:extLst>
           </p:cNvPr>
@@ -1131,7 +1131,7 @@
           <a:bodyPr/>
           <a:lstStyle/>
           <a:p>
-            <a:fld id="{E9B1FFF9-A802-4372-B3B2-FEAB7AF5D637}" type="datetimeFigureOut">
+            <a:fld id="{48B5B8E6-4C5C-41C1-A11C-A64ABFA57623}" type="datetimeFigureOut">
               <a:rPr lang="zh-CN" altLang="en-US" smtClean="0"/>
               <a:t>2024/3/10</a:t>
             </a:fld>
@@ -1144,7 +1144,7 @@
           <p:cNvPr id="5" name="页脚占位符 4">
             <a:extLst>
               <a:ext uri="{FF2B5EF4-FFF2-40B4-BE49-F238E27FC236}">
-                <a16:creationId xmlns:a16="http://schemas.microsoft.com/office/drawing/2014/main" id="{FA6D1B8E-D8E1-4219-0083-2CA0D116C844}"/>
+                <a16:creationId xmlns:a16="http://schemas.microsoft.com/office/drawing/2014/main" id="{A3832B85-06A6-65B9-3154-7219F0543B7A}"/>
               </a:ext>
             </a:extLst>
           </p:cNvPr>
@@ -1169,7 +1169,7 @@
           <p:cNvPr id="6" name="灯片编号占位符 5">
             <a:extLst>
               <a:ext uri="{FF2B5EF4-FFF2-40B4-BE49-F238E27FC236}">
-                <a16:creationId xmlns:a16="http://schemas.microsoft.com/office/drawing/2014/main" id="{10FC9B2A-4569-2C95-AF8F-10FC12B886EB}"/>
+                <a16:creationId xmlns:a16="http://schemas.microsoft.com/office/drawing/2014/main" id="{6C6F6789-B143-0A81-61B2-C5AD85997911}"/>
               </a:ext>
             </a:extLst>
           </p:cNvPr>
@@ -1185,7 +1185,7 @@
           <a:bodyPr/>
           <a:lstStyle/>
           <a:p>
-            <a:fld id="{0F1FDADC-7334-4EC8-9B8B-44FE883DB9A9}" type="slidenum">
+            <a:fld id="{409E90CF-68F7-493D-9F7C-A4C4A7BAFD48}" type="slidenum">
               <a:rPr lang="zh-CN" altLang="en-US" smtClean="0"/>
               <a:t>‹#›</a:t>
             </a:fld>
@@ -1196,7 +1196,7 @@
     </p:spTree>
     <p:extLst>
       <p:ext uri="{BB962C8B-B14F-4D97-AF65-F5344CB8AC3E}">
-        <p14:creationId xmlns:p14="http://schemas.microsoft.com/office/powerpoint/2010/main" val="3524196200"/>
+        <p14:creationId xmlns:p14="http://schemas.microsoft.com/office/powerpoint/2010/main" val="882741705"/>
       </p:ext>
     </p:extLst>
   </p:cSld>
@@ -1228,7 +1228,7 @@
           <p:cNvPr id="2" name="标题 1">
             <a:extLst>
               <a:ext uri="{FF2B5EF4-FFF2-40B4-BE49-F238E27FC236}">
-                <a16:creationId xmlns:a16="http://schemas.microsoft.com/office/drawing/2014/main" id="{DB8F5B5A-1184-A997-C942-136DECC30DBB}"/>
+                <a16:creationId xmlns:a16="http://schemas.microsoft.com/office/drawing/2014/main" id="{787E2485-A2CA-3095-BE4A-95466255C141}"/>
               </a:ext>
             </a:extLst>
           </p:cNvPr>
@@ -1256,7 +1256,7 @@
           <p:cNvPr id="3" name="内容占位符 2">
             <a:extLst>
               <a:ext uri="{FF2B5EF4-FFF2-40B4-BE49-F238E27FC236}">
-                <a16:creationId xmlns:a16="http://schemas.microsoft.com/office/drawing/2014/main" id="{2AAB82A3-5622-52A2-29D9-A519B5DEE61B}"/>
+                <a16:creationId xmlns:a16="http://schemas.microsoft.com/office/drawing/2014/main" id="{0BC0573C-0E3D-73FA-B75E-5B20F48AB144}"/>
               </a:ext>
             </a:extLst>
           </p:cNvPr>
@@ -1318,7 +1318,7 @@
           <p:cNvPr id="4" name="内容占位符 3">
             <a:extLst>
               <a:ext uri="{FF2B5EF4-FFF2-40B4-BE49-F238E27FC236}">
-                <a16:creationId xmlns:a16="http://schemas.microsoft.com/office/drawing/2014/main" id="{5D82FDD0-2675-5D57-4806-7824A030ED15}"/>
+                <a16:creationId xmlns:a16="http://schemas.microsoft.com/office/drawing/2014/main" id="{3F722827-50C1-3E6A-F9D9-E4DE53873560}"/>
               </a:ext>
             </a:extLst>
           </p:cNvPr>
@@ -1380,7 +1380,7 @@
           <p:cNvPr id="5" name="日期占位符 4">
             <a:extLst>
               <a:ext uri="{FF2B5EF4-FFF2-40B4-BE49-F238E27FC236}">
-                <a16:creationId xmlns:a16="http://schemas.microsoft.com/office/drawing/2014/main" id="{5527C5A2-DBC8-1708-ADD6-E217367620EB}"/>
+                <a16:creationId xmlns:a16="http://schemas.microsoft.com/office/drawing/2014/main" id="{25E69079-EBFB-541F-1302-7E9454A0D4A2}"/>
               </a:ext>
             </a:extLst>
           </p:cNvPr>
@@ -1396,7 +1396,7 @@
           <a:bodyPr/>
           <a:lstStyle/>
           <a:p>
-            <a:fld id="{E9B1FFF9-A802-4372-B3B2-FEAB7AF5D637}" type="datetimeFigureOut">
+            <a:fld id="{48B5B8E6-4C5C-41C1-A11C-A64ABFA57623}" type="datetimeFigureOut">
               <a:rPr lang="zh-CN" altLang="en-US" smtClean="0"/>
               <a:t>2024/3/10</a:t>
             </a:fld>
@@ -1409,7 +1409,7 @@
           <p:cNvPr id="6" name="页脚占位符 5">
             <a:extLst>
               <a:ext uri="{FF2B5EF4-FFF2-40B4-BE49-F238E27FC236}">
-                <a16:creationId xmlns:a16="http://schemas.microsoft.com/office/drawing/2014/main" id="{7BA0E344-BB2C-1009-D0A5-34BFFDE3DAA3}"/>
+                <a16:creationId xmlns:a16="http://schemas.microsoft.com/office/drawing/2014/main" id="{47DE05BE-C565-26D5-4580-2167767B98D5}"/>
               </a:ext>
             </a:extLst>
           </p:cNvPr>
@@ -1434,7 +1434,7 @@
           <p:cNvPr id="7" name="灯片编号占位符 6">
             <a:extLst>
               <a:ext uri="{FF2B5EF4-FFF2-40B4-BE49-F238E27FC236}">
-                <a16:creationId xmlns:a16="http://schemas.microsoft.com/office/drawing/2014/main" id="{9834CF59-209C-7331-16D4-B916DC3C2C71}"/>
+                <a16:creationId xmlns:a16="http://schemas.microsoft.com/office/drawing/2014/main" id="{567C75FD-999B-FE24-26D3-7281D1B6194F}"/>
               </a:ext>
             </a:extLst>
           </p:cNvPr>
@@ -1450,7 +1450,7 @@
           <a:bodyPr/>
           <a:lstStyle/>
           <a:p>
-            <a:fld id="{0F1FDADC-7334-4EC8-9B8B-44FE883DB9A9}" type="slidenum">
+            <a:fld id="{409E90CF-68F7-493D-9F7C-A4C4A7BAFD48}" type="slidenum">
               <a:rPr lang="zh-CN" altLang="en-US" smtClean="0"/>
               <a:t>‹#›</a:t>
             </a:fld>
@@ -1461,7 +1461,7 @@
     </p:spTree>
     <p:extLst>
       <p:ext uri="{BB962C8B-B14F-4D97-AF65-F5344CB8AC3E}">
-        <p14:creationId xmlns:p14="http://schemas.microsoft.com/office/powerpoint/2010/main" val="26802680"/>
+        <p14:creationId xmlns:p14="http://schemas.microsoft.com/office/powerpoint/2010/main" val="3905229575"/>
       </p:ext>
     </p:extLst>
   </p:cSld>
@@ -1493,7 +1493,7 @@
           <p:cNvPr id="2" name="标题 1">
             <a:extLst>
               <a:ext uri="{FF2B5EF4-FFF2-40B4-BE49-F238E27FC236}">
-                <a16:creationId xmlns:a16="http://schemas.microsoft.com/office/drawing/2014/main" id="{084502CC-355D-C0B9-3E71-BF107D607227}"/>
+                <a16:creationId xmlns:a16="http://schemas.microsoft.com/office/drawing/2014/main" id="{372BC650-E52D-483D-B4CF-C2B63D838DA8}"/>
               </a:ext>
             </a:extLst>
           </p:cNvPr>
@@ -1526,7 +1526,7 @@
           <p:cNvPr id="3" name="文本占位符 2">
             <a:extLst>
               <a:ext uri="{FF2B5EF4-FFF2-40B4-BE49-F238E27FC236}">
-                <a16:creationId xmlns:a16="http://schemas.microsoft.com/office/drawing/2014/main" id="{B430296F-D25D-59F1-6579-8BC56FB8E3DA}"/>
+                <a16:creationId xmlns:a16="http://schemas.microsoft.com/office/drawing/2014/main" id="{F65EF51E-283C-C7FF-6576-0323C9A1DBF3}"/>
               </a:ext>
             </a:extLst>
           </p:cNvPr>
@@ -1597,7 +1597,7 @@
           <p:cNvPr id="4" name="内容占位符 3">
             <a:extLst>
               <a:ext uri="{FF2B5EF4-FFF2-40B4-BE49-F238E27FC236}">
-                <a16:creationId xmlns:a16="http://schemas.microsoft.com/office/drawing/2014/main" id="{2026B549-FBE1-D6EA-6B78-1E97A29B8191}"/>
+                <a16:creationId xmlns:a16="http://schemas.microsoft.com/office/drawing/2014/main" id="{C9B7B28C-1569-BAFD-3211-0CD9F978EBB2}"/>
               </a:ext>
             </a:extLst>
           </p:cNvPr>
@@ -1659,7 +1659,7 @@
           <p:cNvPr id="5" name="文本占位符 4">
             <a:extLst>
               <a:ext uri="{FF2B5EF4-FFF2-40B4-BE49-F238E27FC236}">
-                <a16:creationId xmlns:a16="http://schemas.microsoft.com/office/drawing/2014/main" id="{C6ABCF70-9197-378C-2295-C7263DAA1986}"/>
+                <a16:creationId xmlns:a16="http://schemas.microsoft.com/office/drawing/2014/main" id="{E208B347-A71F-D6D8-777F-1867D81D5009}"/>
               </a:ext>
             </a:extLst>
           </p:cNvPr>
@@ -1730,7 +1730,7 @@
           <p:cNvPr id="6" name="内容占位符 5">
             <a:extLst>
               <a:ext uri="{FF2B5EF4-FFF2-40B4-BE49-F238E27FC236}">
-                <a16:creationId xmlns:a16="http://schemas.microsoft.com/office/drawing/2014/main" id="{DF19B9CE-79D6-FDC1-58F7-025EE4C28946}"/>
+                <a16:creationId xmlns:a16="http://schemas.microsoft.com/office/drawing/2014/main" id="{3956D402-79F1-5127-A7EB-BDC338E3A43B}"/>
               </a:ext>
             </a:extLst>
           </p:cNvPr>
@@ -1792,7 +1792,7 @@
           <p:cNvPr id="7" name="日期占位符 6">
             <a:extLst>
               <a:ext uri="{FF2B5EF4-FFF2-40B4-BE49-F238E27FC236}">
-                <a16:creationId xmlns:a16="http://schemas.microsoft.com/office/drawing/2014/main" id="{1CD14877-AECA-611F-A343-96E4637ADA37}"/>
+                <a16:creationId xmlns:a16="http://schemas.microsoft.com/office/drawing/2014/main" id="{2EA31FD9-F0C6-4A14-C30C-2B176427FB56}"/>
               </a:ext>
             </a:extLst>
           </p:cNvPr>
@@ -1808,7 +1808,7 @@
           <a:bodyPr/>
           <a:lstStyle/>
           <a:p>
-            <a:fld id="{E9B1FFF9-A802-4372-B3B2-FEAB7AF5D637}" type="datetimeFigureOut">
+            <a:fld id="{48B5B8E6-4C5C-41C1-A11C-A64ABFA57623}" type="datetimeFigureOut">
               <a:rPr lang="zh-CN" altLang="en-US" smtClean="0"/>
               <a:t>2024/3/10</a:t>
             </a:fld>
@@ -1821,7 +1821,7 @@
           <p:cNvPr id="8" name="页脚占位符 7">
             <a:extLst>
               <a:ext uri="{FF2B5EF4-FFF2-40B4-BE49-F238E27FC236}">
-                <a16:creationId xmlns:a16="http://schemas.microsoft.com/office/drawing/2014/main" id="{B96F43B3-B7A6-5324-514B-8616B931739F}"/>
+                <a16:creationId xmlns:a16="http://schemas.microsoft.com/office/drawing/2014/main" id="{B6A52FE3-E394-1B96-8BDF-520EF049B286}"/>
               </a:ext>
             </a:extLst>
           </p:cNvPr>
@@ -1846,7 +1846,7 @@
           <p:cNvPr id="9" name="灯片编号占位符 8">
             <a:extLst>
               <a:ext uri="{FF2B5EF4-FFF2-40B4-BE49-F238E27FC236}">
-                <a16:creationId xmlns:a16="http://schemas.microsoft.com/office/drawing/2014/main" id="{0CBCFF61-A5E1-8B5A-E097-D40C16683194}"/>
+                <a16:creationId xmlns:a16="http://schemas.microsoft.com/office/drawing/2014/main" id="{54786D19-5DE8-FC0B-832A-8B2B2377E490}"/>
               </a:ext>
             </a:extLst>
           </p:cNvPr>
@@ -1862,7 +1862,7 @@
           <a:bodyPr/>
           <a:lstStyle/>
           <a:p>
-            <a:fld id="{0F1FDADC-7334-4EC8-9B8B-44FE883DB9A9}" type="slidenum">
+            <a:fld id="{409E90CF-68F7-493D-9F7C-A4C4A7BAFD48}" type="slidenum">
               <a:rPr lang="zh-CN" altLang="en-US" smtClean="0"/>
               <a:t>‹#›</a:t>
             </a:fld>
@@ -1873,7 +1873,7 @@
     </p:spTree>
     <p:extLst>
       <p:ext uri="{BB962C8B-B14F-4D97-AF65-F5344CB8AC3E}">
-        <p14:creationId xmlns:p14="http://schemas.microsoft.com/office/powerpoint/2010/main" val="1902592273"/>
+        <p14:creationId xmlns:p14="http://schemas.microsoft.com/office/powerpoint/2010/main" val="1942873684"/>
       </p:ext>
     </p:extLst>
   </p:cSld>
@@ -1905,7 +1905,7 @@
           <p:cNvPr id="2" name="标题 1">
             <a:extLst>
               <a:ext uri="{FF2B5EF4-FFF2-40B4-BE49-F238E27FC236}">
-                <a16:creationId xmlns:a16="http://schemas.microsoft.com/office/drawing/2014/main" id="{2F56B2DC-7F39-F5CB-D5E9-5DB53CAFD7E4}"/>
+                <a16:creationId xmlns:a16="http://schemas.microsoft.com/office/drawing/2014/main" id="{E24412A0-2FC4-0786-CE5B-9F3178C6E098}"/>
               </a:ext>
             </a:extLst>
           </p:cNvPr>
@@ -1933,7 +1933,7 @@
           <p:cNvPr id="3" name="日期占位符 2">
             <a:extLst>
               <a:ext uri="{FF2B5EF4-FFF2-40B4-BE49-F238E27FC236}">
-                <a16:creationId xmlns:a16="http://schemas.microsoft.com/office/drawing/2014/main" id="{DD317A4E-AE8C-98F7-1036-586A0DF7071D}"/>
+                <a16:creationId xmlns:a16="http://schemas.microsoft.com/office/drawing/2014/main" id="{25947F9F-C433-E35B-528C-4E855BD3BD8F}"/>
               </a:ext>
             </a:extLst>
           </p:cNvPr>
@@ -1949,7 +1949,7 @@
           <a:bodyPr/>
           <a:lstStyle/>
           <a:p>
-            <a:fld id="{E9B1FFF9-A802-4372-B3B2-FEAB7AF5D637}" type="datetimeFigureOut">
+            <a:fld id="{48B5B8E6-4C5C-41C1-A11C-A64ABFA57623}" type="datetimeFigureOut">
               <a:rPr lang="zh-CN" altLang="en-US" smtClean="0"/>
               <a:t>2024/3/10</a:t>
             </a:fld>
@@ -1962,7 +1962,7 @@
           <p:cNvPr id="4" name="页脚占位符 3">
             <a:extLst>
               <a:ext uri="{FF2B5EF4-FFF2-40B4-BE49-F238E27FC236}">
-                <a16:creationId xmlns:a16="http://schemas.microsoft.com/office/drawing/2014/main" id="{3EEE88A8-D592-C4F1-B7A0-94BD3853F479}"/>
+                <a16:creationId xmlns:a16="http://schemas.microsoft.com/office/drawing/2014/main" id="{53BFBB5C-1C97-49E1-3530-20795393763D}"/>
               </a:ext>
             </a:extLst>
           </p:cNvPr>
@@ -1987,7 +1987,7 @@
           <p:cNvPr id="5" name="灯片编号占位符 4">
             <a:extLst>
               <a:ext uri="{FF2B5EF4-FFF2-40B4-BE49-F238E27FC236}">
-                <a16:creationId xmlns:a16="http://schemas.microsoft.com/office/drawing/2014/main" id="{5B12A606-23F8-3BC7-AE51-A3A565DFD6A2}"/>
+                <a16:creationId xmlns:a16="http://schemas.microsoft.com/office/drawing/2014/main" id="{4F89F3C0-2ADD-CFE1-F081-7C2914CC4D83}"/>
               </a:ext>
             </a:extLst>
           </p:cNvPr>
@@ -2003,7 +2003,7 @@
           <a:bodyPr/>
           <a:lstStyle/>
           <a:p>
-            <a:fld id="{0F1FDADC-7334-4EC8-9B8B-44FE883DB9A9}" type="slidenum">
+            <a:fld id="{409E90CF-68F7-493D-9F7C-A4C4A7BAFD48}" type="slidenum">
               <a:rPr lang="zh-CN" altLang="en-US" smtClean="0"/>
               <a:t>‹#›</a:t>
             </a:fld>
@@ -2014,7 +2014,7 @@
     </p:spTree>
     <p:extLst>
       <p:ext uri="{BB962C8B-B14F-4D97-AF65-F5344CB8AC3E}">
-        <p14:creationId xmlns:p14="http://schemas.microsoft.com/office/powerpoint/2010/main" val="2631821190"/>
+        <p14:creationId xmlns:p14="http://schemas.microsoft.com/office/powerpoint/2010/main" val="4129891517"/>
       </p:ext>
     </p:extLst>
   </p:cSld>
@@ -2046,7 +2046,7 @@
           <p:cNvPr id="2" name="日期占位符 1">
             <a:extLst>
               <a:ext uri="{FF2B5EF4-FFF2-40B4-BE49-F238E27FC236}">
-                <a16:creationId xmlns:a16="http://schemas.microsoft.com/office/drawing/2014/main" id="{748F0CD8-85C3-8EFD-EC18-DEB47FD37E3B}"/>
+                <a16:creationId xmlns:a16="http://schemas.microsoft.com/office/drawing/2014/main" id="{A95BD5FF-EE87-3824-8080-0127471C029E}"/>
               </a:ext>
             </a:extLst>
           </p:cNvPr>
@@ -2062,7 +2062,7 @@
           <a:bodyPr/>
           <a:lstStyle/>
           <a:p>
-            <a:fld id="{E9B1FFF9-A802-4372-B3B2-FEAB7AF5D637}" type="datetimeFigureOut">
+            <a:fld id="{48B5B8E6-4C5C-41C1-A11C-A64ABFA57623}" type="datetimeFigureOut">
               <a:rPr lang="zh-CN" altLang="en-US" smtClean="0"/>
               <a:t>2024/3/10</a:t>
             </a:fld>
@@ -2075,7 +2075,7 @@
           <p:cNvPr id="3" name="页脚占位符 2">
             <a:extLst>
               <a:ext uri="{FF2B5EF4-FFF2-40B4-BE49-F238E27FC236}">
-                <a16:creationId xmlns:a16="http://schemas.microsoft.com/office/drawing/2014/main" id="{C96D4F57-FE21-7115-DA10-161A40455C96}"/>
+                <a16:creationId xmlns:a16="http://schemas.microsoft.com/office/drawing/2014/main" id="{6B476B1B-BD9E-AD93-3B18-2D612520E364}"/>
               </a:ext>
             </a:extLst>
           </p:cNvPr>
@@ -2100,7 +2100,7 @@
           <p:cNvPr id="4" name="灯片编号占位符 3">
             <a:extLst>
               <a:ext uri="{FF2B5EF4-FFF2-40B4-BE49-F238E27FC236}">
-                <a16:creationId xmlns:a16="http://schemas.microsoft.com/office/drawing/2014/main" id="{CFF1A0DA-C6E8-FCE3-D9D3-AACA9E25DFA5}"/>
+                <a16:creationId xmlns:a16="http://schemas.microsoft.com/office/drawing/2014/main" id="{D97CB4BE-27C7-A465-0734-FD1A722A0D9D}"/>
               </a:ext>
             </a:extLst>
           </p:cNvPr>
@@ -2116,7 +2116,7 @@
           <a:bodyPr/>
           <a:lstStyle/>
           <a:p>
-            <a:fld id="{0F1FDADC-7334-4EC8-9B8B-44FE883DB9A9}" type="slidenum">
+            <a:fld id="{409E90CF-68F7-493D-9F7C-A4C4A7BAFD48}" type="slidenum">
               <a:rPr lang="zh-CN" altLang="en-US" smtClean="0"/>
               <a:t>‹#›</a:t>
             </a:fld>
@@ -2127,7 +2127,7 @@
     </p:spTree>
     <p:extLst>
       <p:ext uri="{BB962C8B-B14F-4D97-AF65-F5344CB8AC3E}">
-        <p14:creationId xmlns:p14="http://schemas.microsoft.com/office/powerpoint/2010/main" val="3016964527"/>
+        <p14:creationId xmlns:p14="http://schemas.microsoft.com/office/powerpoint/2010/main" val="746709374"/>
       </p:ext>
     </p:extLst>
   </p:cSld>
@@ -2159,7 +2159,7 @@
           <p:cNvPr id="2" name="标题 1">
             <a:extLst>
               <a:ext uri="{FF2B5EF4-FFF2-40B4-BE49-F238E27FC236}">
-                <a16:creationId xmlns:a16="http://schemas.microsoft.com/office/drawing/2014/main" id="{E73C66D9-9E49-CF47-B489-CC008C2E8ACA}"/>
+                <a16:creationId xmlns:a16="http://schemas.microsoft.com/office/drawing/2014/main" id="{A05C4D0E-782E-206A-8DE0-1CB4373AE00C}"/>
               </a:ext>
             </a:extLst>
           </p:cNvPr>
@@ -2196,7 +2196,7 @@
           <p:cNvPr id="3" name="内容占位符 2">
             <a:extLst>
               <a:ext uri="{FF2B5EF4-FFF2-40B4-BE49-F238E27FC236}">
-                <a16:creationId xmlns:a16="http://schemas.microsoft.com/office/drawing/2014/main" id="{FE2860EC-BB3B-CB49-0A1F-432C980FFF46}"/>
+                <a16:creationId xmlns:a16="http://schemas.microsoft.com/office/drawing/2014/main" id="{47A71CD9-CDC6-8980-68AF-456F239E1FB2}"/>
               </a:ext>
             </a:extLst>
           </p:cNvPr>
@@ -2286,7 +2286,7 @@
           <p:cNvPr id="4" name="文本占位符 3">
             <a:extLst>
               <a:ext uri="{FF2B5EF4-FFF2-40B4-BE49-F238E27FC236}">
-                <a16:creationId xmlns:a16="http://schemas.microsoft.com/office/drawing/2014/main" id="{5C7E9EFA-90F4-7452-F0F8-733C724B9231}"/>
+                <a16:creationId xmlns:a16="http://schemas.microsoft.com/office/drawing/2014/main" id="{55EA4D71-5E73-4996-2B24-B4CCF62CA5B0}"/>
               </a:ext>
             </a:extLst>
           </p:cNvPr>
@@ -2357,7 +2357,7 @@
           <p:cNvPr id="5" name="日期占位符 4">
             <a:extLst>
               <a:ext uri="{FF2B5EF4-FFF2-40B4-BE49-F238E27FC236}">
-                <a16:creationId xmlns:a16="http://schemas.microsoft.com/office/drawing/2014/main" id="{13A3B285-7380-79CD-9E42-1880C1A4726B}"/>
+                <a16:creationId xmlns:a16="http://schemas.microsoft.com/office/drawing/2014/main" id="{B35648A1-99B2-1F60-8563-DF9061DE4C05}"/>
               </a:ext>
             </a:extLst>
           </p:cNvPr>
@@ -2373,7 +2373,7 @@
           <a:bodyPr/>
           <a:lstStyle/>
           <a:p>
-            <a:fld id="{E9B1FFF9-A802-4372-B3B2-FEAB7AF5D637}" type="datetimeFigureOut">
+            <a:fld id="{48B5B8E6-4C5C-41C1-A11C-A64ABFA57623}" type="datetimeFigureOut">
               <a:rPr lang="zh-CN" altLang="en-US" smtClean="0"/>
               <a:t>2024/3/10</a:t>
             </a:fld>
@@ -2386,7 +2386,7 @@
           <p:cNvPr id="6" name="页脚占位符 5">
             <a:extLst>
               <a:ext uri="{FF2B5EF4-FFF2-40B4-BE49-F238E27FC236}">
-                <a16:creationId xmlns:a16="http://schemas.microsoft.com/office/drawing/2014/main" id="{86E6264C-E87D-FE2F-51AF-FC33620850A0}"/>
+                <a16:creationId xmlns:a16="http://schemas.microsoft.com/office/drawing/2014/main" id="{5DC2581A-EE31-C991-5F7C-9BDB193AED01}"/>
               </a:ext>
             </a:extLst>
           </p:cNvPr>
@@ -2411,7 +2411,7 @@
           <p:cNvPr id="7" name="灯片编号占位符 6">
             <a:extLst>
               <a:ext uri="{FF2B5EF4-FFF2-40B4-BE49-F238E27FC236}">
-                <a16:creationId xmlns:a16="http://schemas.microsoft.com/office/drawing/2014/main" id="{2C3450CB-6968-E0E1-5C22-72145B7626B0}"/>
+                <a16:creationId xmlns:a16="http://schemas.microsoft.com/office/drawing/2014/main" id="{69A02BFC-8ADF-944D-3FC4-693EA4CAE3B7}"/>
               </a:ext>
             </a:extLst>
           </p:cNvPr>
@@ -2427,7 +2427,7 @@
           <a:bodyPr/>
           <a:lstStyle/>
           <a:p>
-            <a:fld id="{0F1FDADC-7334-4EC8-9B8B-44FE883DB9A9}" type="slidenum">
+            <a:fld id="{409E90CF-68F7-493D-9F7C-A4C4A7BAFD48}" type="slidenum">
               <a:rPr lang="zh-CN" altLang="en-US" smtClean="0"/>
               <a:t>‹#›</a:t>
             </a:fld>
@@ -2438,7 +2438,7 @@
     </p:spTree>
     <p:extLst>
       <p:ext uri="{BB962C8B-B14F-4D97-AF65-F5344CB8AC3E}">
-        <p14:creationId xmlns:p14="http://schemas.microsoft.com/office/powerpoint/2010/main" val="2451571191"/>
+        <p14:creationId xmlns:p14="http://schemas.microsoft.com/office/powerpoint/2010/main" val="1998620884"/>
       </p:ext>
     </p:extLst>
   </p:cSld>
@@ -2470,7 +2470,7 @@
           <p:cNvPr id="2" name="标题 1">
             <a:extLst>
               <a:ext uri="{FF2B5EF4-FFF2-40B4-BE49-F238E27FC236}">
-                <a16:creationId xmlns:a16="http://schemas.microsoft.com/office/drawing/2014/main" id="{48CBC38F-ED75-420A-F43D-1C7D1F01159C}"/>
+                <a16:creationId xmlns:a16="http://schemas.microsoft.com/office/drawing/2014/main" id="{3EA3D02E-1F42-AF21-E6AA-ABE342C99108}"/>
               </a:ext>
             </a:extLst>
           </p:cNvPr>
@@ -2507,7 +2507,7 @@
           <p:cNvPr id="3" name="图片占位符 2">
             <a:extLst>
               <a:ext uri="{FF2B5EF4-FFF2-40B4-BE49-F238E27FC236}">
-                <a16:creationId xmlns:a16="http://schemas.microsoft.com/office/drawing/2014/main" id="{2287FF90-289E-D6CA-2F3B-0DA4E8BEFD87}"/>
+                <a16:creationId xmlns:a16="http://schemas.microsoft.com/office/drawing/2014/main" id="{4F90A11F-B46A-8D5C-8EA0-E3FBA0B7E239}"/>
               </a:ext>
             </a:extLst>
           </p:cNvPr>
@@ -2574,7 +2574,7 @@
           <p:cNvPr id="4" name="文本占位符 3">
             <a:extLst>
               <a:ext uri="{FF2B5EF4-FFF2-40B4-BE49-F238E27FC236}">
-                <a16:creationId xmlns:a16="http://schemas.microsoft.com/office/drawing/2014/main" id="{66C89BAD-60E0-CA28-80CD-DC5841D61343}"/>
+                <a16:creationId xmlns:a16="http://schemas.microsoft.com/office/drawing/2014/main" id="{5E877A75-C6A1-5EDA-338B-4455A323498D}"/>
               </a:ext>
             </a:extLst>
           </p:cNvPr>
@@ -2645,7 +2645,7 @@
           <p:cNvPr id="5" name="日期占位符 4">
             <a:extLst>
               <a:ext uri="{FF2B5EF4-FFF2-40B4-BE49-F238E27FC236}">
-                <a16:creationId xmlns:a16="http://schemas.microsoft.com/office/drawing/2014/main" id="{11F64768-DC02-F760-36B1-73D8BE980212}"/>
+                <a16:creationId xmlns:a16="http://schemas.microsoft.com/office/drawing/2014/main" id="{EB658CA6-303F-A539-8AE0-D9155F278B83}"/>
               </a:ext>
             </a:extLst>
           </p:cNvPr>
@@ -2661,7 +2661,7 @@
           <a:bodyPr/>
           <a:lstStyle/>
           <a:p>
-            <a:fld id="{E9B1FFF9-A802-4372-B3B2-FEAB7AF5D637}" type="datetimeFigureOut">
+            <a:fld id="{48B5B8E6-4C5C-41C1-A11C-A64ABFA57623}" type="datetimeFigureOut">
               <a:rPr lang="zh-CN" altLang="en-US" smtClean="0"/>
               <a:t>2024/3/10</a:t>
             </a:fld>
@@ -2674,7 +2674,7 @@
           <p:cNvPr id="6" name="页脚占位符 5">
             <a:extLst>
               <a:ext uri="{FF2B5EF4-FFF2-40B4-BE49-F238E27FC236}">
-                <a16:creationId xmlns:a16="http://schemas.microsoft.com/office/drawing/2014/main" id="{D8396D01-FBB2-AEB8-22C2-FA8BBFE46DBB}"/>
+                <a16:creationId xmlns:a16="http://schemas.microsoft.com/office/drawing/2014/main" id="{11BC9716-2308-5FFF-ED50-AEE8A0E70488}"/>
               </a:ext>
             </a:extLst>
           </p:cNvPr>
@@ -2699,7 +2699,7 @@
           <p:cNvPr id="7" name="灯片编号占位符 6">
             <a:extLst>
               <a:ext uri="{FF2B5EF4-FFF2-40B4-BE49-F238E27FC236}">
-                <a16:creationId xmlns:a16="http://schemas.microsoft.com/office/drawing/2014/main" id="{CA801442-D615-E34D-E4EC-93800B363F81}"/>
+                <a16:creationId xmlns:a16="http://schemas.microsoft.com/office/drawing/2014/main" id="{EC2C7740-1813-BA6F-CBF2-0774FD617387}"/>
               </a:ext>
             </a:extLst>
           </p:cNvPr>
@@ -2715,7 +2715,7 @@
           <a:bodyPr/>
           <a:lstStyle/>
           <a:p>
-            <a:fld id="{0F1FDADC-7334-4EC8-9B8B-44FE883DB9A9}" type="slidenum">
+            <a:fld id="{409E90CF-68F7-493D-9F7C-A4C4A7BAFD48}" type="slidenum">
               <a:rPr lang="zh-CN" altLang="en-US" smtClean="0"/>
               <a:t>‹#›</a:t>
             </a:fld>
@@ -2726,7 +2726,7 @@
     </p:spTree>
     <p:extLst>
       <p:ext uri="{BB962C8B-B14F-4D97-AF65-F5344CB8AC3E}">
-        <p14:creationId xmlns:p14="http://schemas.microsoft.com/office/powerpoint/2010/main" val="658377639"/>
+        <p14:creationId xmlns:p14="http://schemas.microsoft.com/office/powerpoint/2010/main" val="325871930"/>
       </p:ext>
     </p:extLst>
   </p:cSld>
@@ -2763,7 +2763,7 @@
           <p:cNvPr id="2" name="标题占位符 1">
             <a:extLst>
               <a:ext uri="{FF2B5EF4-FFF2-40B4-BE49-F238E27FC236}">
-                <a16:creationId xmlns:a16="http://schemas.microsoft.com/office/drawing/2014/main" id="{DDDF2E87-6628-4C95-03A0-0683A0DE892E}"/>
+                <a16:creationId xmlns:a16="http://schemas.microsoft.com/office/drawing/2014/main" id="{04F062B2-1779-ECD2-58E1-935AD1698315}"/>
               </a:ext>
             </a:extLst>
           </p:cNvPr>
@@ -2801,7 +2801,7 @@
           <p:cNvPr id="3" name="文本占位符 2">
             <a:extLst>
               <a:ext uri="{FF2B5EF4-FFF2-40B4-BE49-F238E27FC236}">
-                <a16:creationId xmlns:a16="http://schemas.microsoft.com/office/drawing/2014/main" id="{2DDA1D61-EA37-72FE-F599-5E0851A61782}"/>
+                <a16:creationId xmlns:a16="http://schemas.microsoft.com/office/drawing/2014/main" id="{5DD44884-E13B-A2BB-63BA-91DB693C8A49}"/>
               </a:ext>
             </a:extLst>
           </p:cNvPr>
@@ -2868,7 +2868,7 @@
           <p:cNvPr id="4" name="日期占位符 3">
             <a:extLst>
               <a:ext uri="{FF2B5EF4-FFF2-40B4-BE49-F238E27FC236}">
-                <a16:creationId xmlns:a16="http://schemas.microsoft.com/office/drawing/2014/main" id="{17A7E46E-74D6-663E-F331-3F2480658843}"/>
+                <a16:creationId xmlns:a16="http://schemas.microsoft.com/office/drawing/2014/main" id="{028C226F-44EE-23E4-32BF-D994B1CC6A86}"/>
               </a:ext>
             </a:extLst>
           </p:cNvPr>
@@ -2902,7 +2902,7 @@
             </a:lvl1pPr>
           </a:lstStyle>
           <a:p>
-            <a:fld id="{E9B1FFF9-A802-4372-B3B2-FEAB7AF5D637}" type="datetimeFigureOut">
+            <a:fld id="{48B5B8E6-4C5C-41C1-A11C-A64ABFA57623}" type="datetimeFigureOut">
               <a:rPr lang="zh-CN" altLang="en-US" smtClean="0"/>
               <a:t>2024/3/10</a:t>
             </a:fld>
@@ -2915,7 +2915,7 @@
           <p:cNvPr id="5" name="页脚占位符 4">
             <a:extLst>
               <a:ext uri="{FF2B5EF4-FFF2-40B4-BE49-F238E27FC236}">
-                <a16:creationId xmlns:a16="http://schemas.microsoft.com/office/drawing/2014/main" id="{98BA88B5-444F-38C2-9153-FD25FB12E10A}"/>
+                <a16:creationId xmlns:a16="http://schemas.microsoft.com/office/drawing/2014/main" id="{3DCCDA59-1AFD-3FA3-D43E-F6A7075E7447}"/>
               </a:ext>
             </a:extLst>
           </p:cNvPr>
@@ -2958,7 +2958,7 @@
           <p:cNvPr id="6" name="灯片编号占位符 5">
             <a:extLst>
               <a:ext uri="{FF2B5EF4-FFF2-40B4-BE49-F238E27FC236}">
-                <a16:creationId xmlns:a16="http://schemas.microsoft.com/office/drawing/2014/main" id="{3159F793-9687-4CD6-F5EB-F1A1ECF37628}"/>
+                <a16:creationId xmlns:a16="http://schemas.microsoft.com/office/drawing/2014/main" id="{33DB8F57-AFEC-BEEF-AD77-A761E136F068}"/>
               </a:ext>
             </a:extLst>
           </p:cNvPr>
@@ -2992,7 +2992,7 @@
             </a:lvl1pPr>
           </a:lstStyle>
           <a:p>
-            <a:fld id="{0F1FDADC-7334-4EC8-9B8B-44FE883DB9A9}" type="slidenum">
+            <a:fld id="{409E90CF-68F7-493D-9F7C-A4C4A7BAFD48}" type="slidenum">
               <a:rPr lang="zh-CN" altLang="en-US" smtClean="0"/>
               <a:t>‹#›</a:t>
             </a:fld>
@@ -3003,7 +3003,7 @@
     </p:spTree>
     <p:extLst>
       <p:ext uri="{BB962C8B-B14F-4D97-AF65-F5344CB8AC3E}">
-        <p14:creationId xmlns:p14="http://schemas.microsoft.com/office/powerpoint/2010/main" val="2750491358"/>
+        <p14:creationId xmlns:p14="http://schemas.microsoft.com/office/powerpoint/2010/main" val="2558413078"/>
       </p:ext>
     </p:extLst>
   </p:cSld>
@@ -3323,7 +3323,7 @@
       </p:grpSpPr>
       <p:pic>
         <p:nvPicPr>
-          <p:cNvPr id="1354754" name="Picture 2" descr="1322"/>
+          <p:cNvPr id="1355778" name="Picture 2" descr="1323"/>
           <p:cNvPicPr>
             <a:picLocks noChangeAspect="1" noChangeArrowheads="1"/>
           </p:cNvPicPr>
@@ -3344,8 +3344,8 @@
         </p:blipFill>
         <p:spPr bwMode="auto">
           <a:xfrm>
-            <a:off x="1524000" y="0"/>
-            <a:ext cx="9144000" cy="6858000"/>
+            <a:off x="1524000" y="1"/>
+            <a:ext cx="9124950" cy="6843713"/>
           </a:xfrm>
           <a:prstGeom prst="rect">
             <a:avLst/>
@@ -3375,11 +3375,158 @@
           </a:extLst>
         </p:spPr>
       </p:pic>
+      <p:pic>
+        <p:nvPicPr>
+          <p:cNvPr id="1356803" name="Picture 3" descr="1323-2"/>
+          <p:cNvPicPr>
+            <a:picLocks noChangeAspect="1" noChangeArrowheads="1"/>
+          </p:cNvPicPr>
+          <p:nvPr/>
+        </p:nvPicPr>
+        <p:blipFill>
+          <a:blip r:embed="rId3">
+            <a:extLst>
+              <a:ext uri="{28A0092B-C50C-407E-A947-70E740481C1C}">
+                <a14:useLocalDpi xmlns:a14="http://schemas.microsoft.com/office/drawing/2010/main" val="0"/>
+              </a:ext>
+            </a:extLst>
+          </a:blip>
+          <a:srcRect/>
+          <a:stretch>
+            <a:fillRect/>
+          </a:stretch>
+        </p:blipFill>
+        <p:spPr bwMode="auto">
+          <a:xfrm>
+            <a:off x="1524000" y="0"/>
+            <a:ext cx="9144000" cy="6858000"/>
+          </a:xfrm>
+          <a:prstGeom prst="rect">
+            <a:avLst/>
+          </a:prstGeom>
+          <a:noFill/>
+          <a:ln>
+            <a:noFill/>
+          </a:ln>
+          <a:effectLst/>
+          <a:extLst>
+            <a:ext uri="{909E8E84-426E-40DD-AFC4-6F175D3DCCD1}">
+              <a14:hiddenFill xmlns:a14="http://schemas.microsoft.com/office/drawing/2010/main">
+                <a:solidFill>
+                  <a:srgbClr val="FFFFFF"/>
+                </a:solidFill>
+              </a14:hiddenFill>
+            </a:ext>
+            <a:ext uri="{91240B29-F687-4F45-9708-019B960494DF}">
+              <a14:hiddenLine xmlns:a14="http://schemas.microsoft.com/office/drawing/2010/main" w="9525">
+                <a:solidFill>
+                  <a:srgbClr val="000000"/>
+                </a:solidFill>
+                <a:miter lim="800000"/>
+                <a:headEnd/>
+                <a:tailEnd/>
+              </a14:hiddenLine>
+            </a:ext>
+            <a:ext uri="{AF507438-7753-43E0-B8FC-AC1667EBCBE1}">
+              <a14:hiddenEffects xmlns:a14="http://schemas.microsoft.com/office/drawing/2010/main">
+                <a:effectLst>
+                  <a:outerShdw dist="35921" dir="2700000" algn="ctr" rotWithShape="0">
+                    <a:srgbClr val="808080"/>
+                  </a:outerShdw>
+                </a:effectLst>
+              </a14:hiddenEffects>
+            </a:ext>
+          </a:extLst>
+        </p:spPr>
+      </p:pic>
     </p:spTree>
   </p:cSld>
   <p:clrMapOvr>
     <a:masterClrMapping/>
   </p:clrMapOvr>
+  <p:timing>
+    <p:tnLst>
+      <p:par>
+        <p:cTn id="1" dur="indefinite" restart="never" nodeType="tmRoot">
+          <p:childTnLst>
+            <p:seq concurrent="1" nextAc="seek">
+              <p:cTn id="2" dur="indefinite" nodeType="mainSeq">
+                <p:childTnLst>
+                  <p:par>
+                    <p:cTn id="3" fill="hold" nodeType="clickPar">
+                      <p:stCondLst>
+                        <p:cond delay="indefinite"/>
+                      </p:stCondLst>
+                      <p:childTnLst>
+                        <p:par>
+                          <p:cTn id="4" fill="hold" nodeType="withGroup">
+                            <p:stCondLst>
+                              <p:cond delay="0"/>
+                            </p:stCondLst>
+                            <p:childTnLst>
+                              <p:par>
+                                <p:cTn id="5" presetID="10" presetClass="entr" presetSubtype="0" fill="hold" nodeType="clickEffect">
+                                  <p:stCondLst>
+                                    <p:cond delay="0"/>
+                                  </p:stCondLst>
+                                  <p:childTnLst>
+                                    <p:set>
+                                      <p:cBhvr>
+                                        <p:cTn id="6" dur="1" fill="hold">
+                                          <p:stCondLst>
+                                            <p:cond delay="0"/>
+                                          </p:stCondLst>
+                                        </p:cTn>
+                                        <p:tgtEl>
+                                          <p:spTgt spid="1356803"/>
+                                        </p:tgtEl>
+                                        <p:attrNameLst>
+                                          <p:attrName>style.visibility</p:attrName>
+                                        </p:attrNameLst>
+                                      </p:cBhvr>
+                                      <p:to>
+                                        <p:strVal val="visible"/>
+                                      </p:to>
+                                    </p:set>
+                                    <p:animEffect transition="in" filter="fade">
+                                      <p:cBhvr>
+                                        <p:cTn id="7" dur="500"/>
+                                        <p:tgtEl>
+                                          <p:spTgt spid="1356803"/>
+                                        </p:tgtEl>
+                                      </p:cBhvr>
+                                    </p:animEffect>
+                                  </p:childTnLst>
+                                </p:cTn>
+                              </p:par>
+                            </p:childTnLst>
+                          </p:cTn>
+                        </p:par>
+                      </p:childTnLst>
+                    </p:cTn>
+                  </p:par>
+                </p:childTnLst>
+              </p:cTn>
+              <p:prevCondLst>
+                <p:cond evt="onPrev" delay="0">
+                  <p:tgtEl>
+                    <p:sldTgt/>
+                  </p:tgtEl>
+                </p:cond>
+              </p:prevCondLst>
+              <p:nextCondLst>
+                <p:cond evt="onNext" delay="0">
+                  <p:tgtEl>
+                    <p:sldTgt/>
+                  </p:tgtEl>
+                </p:cond>
+              </p:nextCondLst>
+            </p:seq>
+          </p:childTnLst>
+        </p:cTn>
+      </p:par>
+    </p:tnLst>
+  </p:timing>
 </p:sld>
 </file>
 
